--- a/Code generators.pptx
+++ b/Code generators.pptx
@@ -1877,6 +1877,13 @@
         </dgm:presLayoutVars>
       </dgm:prSet>
       <dgm:spPr/>
+      <dgm:t>
+        <a:bodyPr/>
+        <a:lstStyle/>
+        <a:p>
+          <a:endParaRPr lang="ru-RU"/>
+        </a:p>
+      </dgm:t>
     </dgm:pt>
     <dgm:pt modelId="{663781EF-373B-4D53-A91E-74E91F983D7F}" type="pres">
       <dgm:prSet presAssocID="{655043D0-07C1-4A2C-98AF-1585D9CACF56}" presName="Name1" presStyleCnt="0"/>
@@ -1893,6 +1900,13 @@
     <dgm:pt modelId="{C7F3EC20-39B2-4568-A239-3F81E7AB66AB}" type="pres">
       <dgm:prSet presAssocID="{655043D0-07C1-4A2C-98AF-1585D9CACF56}" presName="conn" presStyleLbl="parChTrans1D2" presStyleIdx="0" presStyleCnt="1"/>
       <dgm:spPr/>
+      <dgm:t>
+        <a:bodyPr/>
+        <a:lstStyle/>
+        <a:p>
+          <a:endParaRPr lang="ru-RU"/>
+        </a:p>
+      </dgm:t>
     </dgm:pt>
     <dgm:pt modelId="{B15980BA-A514-437A-9767-0DF22CB16C19}" type="pres">
       <dgm:prSet presAssocID="{655043D0-07C1-4A2C-98AF-1585D9CACF56}" presName="extraNode" presStyleLbl="node1" presStyleIdx="0" presStyleCnt="4"/>
@@ -1909,6 +1923,13 @@
         </dgm:presLayoutVars>
       </dgm:prSet>
       <dgm:spPr/>
+      <dgm:t>
+        <a:bodyPr/>
+        <a:lstStyle/>
+        <a:p>
+          <a:endParaRPr lang="ru-RU"/>
+        </a:p>
+      </dgm:t>
     </dgm:pt>
     <dgm:pt modelId="{5118D836-A3A6-4266-9A60-2EEC2604E8D6}" type="pres">
       <dgm:prSet presAssocID="{B16EA968-74C9-4734-A24B-17B9F37CAE7D}" presName="accent_1" presStyleCnt="0"/>
@@ -1925,6 +1946,13 @@
         </dgm:presLayoutVars>
       </dgm:prSet>
       <dgm:spPr/>
+      <dgm:t>
+        <a:bodyPr/>
+        <a:lstStyle/>
+        <a:p>
+          <a:endParaRPr lang="ru-RU"/>
+        </a:p>
+      </dgm:t>
     </dgm:pt>
     <dgm:pt modelId="{DD935327-5B7D-49DF-92CB-A0C965543165}" type="pres">
       <dgm:prSet presAssocID="{2CCDC5CB-3B57-425D-9E0F-6CB6886DAFE2}" presName="accent_2" presStyleCnt="0"/>
@@ -1941,6 +1969,13 @@
         </dgm:presLayoutVars>
       </dgm:prSet>
       <dgm:spPr/>
+      <dgm:t>
+        <a:bodyPr/>
+        <a:lstStyle/>
+        <a:p>
+          <a:endParaRPr lang="ru-RU"/>
+        </a:p>
+      </dgm:t>
     </dgm:pt>
     <dgm:pt modelId="{EFB092D8-3964-48EA-A620-DB1670327A1B}" type="pres">
       <dgm:prSet presAssocID="{4B1510D4-F380-48C5-A658-9E944212BA5C}" presName="accent_3" presStyleCnt="0"/>
@@ -1957,6 +1992,13 @@
         </dgm:presLayoutVars>
       </dgm:prSet>
       <dgm:spPr/>
+      <dgm:t>
+        <a:bodyPr/>
+        <a:lstStyle/>
+        <a:p>
+          <a:endParaRPr lang="ru-RU"/>
+        </a:p>
+      </dgm:t>
     </dgm:pt>
     <dgm:pt modelId="{BADC75DA-F4A8-43DB-AE38-EE2B4CC626B3}" type="pres">
       <dgm:prSet presAssocID="{885D4328-FE76-41C1-BBDA-680C98D5ACFE}" presName="accent_4" presStyleCnt="0"/>
@@ -2418,6 +2460,13 @@
         </dgm:presLayoutVars>
       </dgm:prSet>
       <dgm:spPr/>
+      <dgm:t>
+        <a:bodyPr/>
+        <a:lstStyle/>
+        <a:p>
+          <a:endParaRPr lang="ru-RU"/>
+        </a:p>
+      </dgm:t>
     </dgm:pt>
     <dgm:pt modelId="{4FEF6551-762C-42FE-9B10-B23476B9E005}" type="pres">
       <dgm:prSet presAssocID="{13CEDA81-693A-403E-BDCC-2138A9BB1130}" presName="parentLin" presStyleCnt="0"/>
@@ -2426,6 +2475,13 @@
     <dgm:pt modelId="{BCF2940B-796B-4805-85DA-3120F8E2AA4B}" type="pres">
       <dgm:prSet presAssocID="{13CEDA81-693A-403E-BDCC-2138A9BB1130}" presName="parentLeftMargin" presStyleLbl="node1" presStyleIdx="0" presStyleCnt="3"/>
       <dgm:spPr/>
+      <dgm:t>
+        <a:bodyPr/>
+        <a:lstStyle/>
+        <a:p>
+          <a:endParaRPr lang="ru-RU"/>
+        </a:p>
+      </dgm:t>
     </dgm:pt>
     <dgm:pt modelId="{A399DE7D-EB03-4A4A-AB6D-70DA30448D70}" type="pres">
       <dgm:prSet presAssocID="{13CEDA81-693A-403E-BDCC-2138A9BB1130}" presName="parentText" presStyleLbl="node1" presStyleIdx="0" presStyleCnt="3">
@@ -2435,6 +2491,13 @@
         </dgm:presLayoutVars>
       </dgm:prSet>
       <dgm:spPr/>
+      <dgm:t>
+        <a:bodyPr/>
+        <a:lstStyle/>
+        <a:p>
+          <a:endParaRPr lang="ru-RU"/>
+        </a:p>
+      </dgm:t>
     </dgm:pt>
     <dgm:pt modelId="{F30BF0CF-22CD-442D-913C-90A3B413A0F0}" type="pres">
       <dgm:prSet presAssocID="{13CEDA81-693A-403E-BDCC-2138A9BB1130}" presName="negativeSpace" presStyleCnt="0"/>
@@ -2447,6 +2510,13 @@
         </dgm:presLayoutVars>
       </dgm:prSet>
       <dgm:spPr/>
+      <dgm:t>
+        <a:bodyPr/>
+        <a:lstStyle/>
+        <a:p>
+          <a:endParaRPr lang="ru-RU"/>
+        </a:p>
+      </dgm:t>
     </dgm:pt>
     <dgm:pt modelId="{417655A2-4CE3-4E93-ADC9-2728B5363ED9}" type="pres">
       <dgm:prSet presAssocID="{72D5F977-0049-4990-8BDB-9E718C506ED7}" presName="spaceBetweenRectangles" presStyleCnt="0"/>
@@ -2459,6 +2529,13 @@
     <dgm:pt modelId="{F9A87F1A-4E54-40EA-B24E-4FF4AF10DCA0}" type="pres">
       <dgm:prSet presAssocID="{1E8F3F4F-A55D-44DA-9EA9-414AF3C1B8A0}" presName="parentLeftMargin" presStyleLbl="node1" presStyleIdx="0" presStyleCnt="3"/>
       <dgm:spPr/>
+      <dgm:t>
+        <a:bodyPr/>
+        <a:lstStyle/>
+        <a:p>
+          <a:endParaRPr lang="ru-RU"/>
+        </a:p>
+      </dgm:t>
     </dgm:pt>
     <dgm:pt modelId="{B499BD81-CA0A-4184-9477-175B7B791A38}" type="pres">
       <dgm:prSet presAssocID="{1E8F3F4F-A55D-44DA-9EA9-414AF3C1B8A0}" presName="parentText" presStyleLbl="node1" presStyleIdx="1" presStyleCnt="3">
@@ -2468,6 +2545,13 @@
         </dgm:presLayoutVars>
       </dgm:prSet>
       <dgm:spPr/>
+      <dgm:t>
+        <a:bodyPr/>
+        <a:lstStyle/>
+        <a:p>
+          <a:endParaRPr lang="ru-RU"/>
+        </a:p>
+      </dgm:t>
     </dgm:pt>
     <dgm:pt modelId="{A03ED807-A1AD-4FFC-BDFC-ED61AFC378F7}" type="pres">
       <dgm:prSet presAssocID="{1E8F3F4F-A55D-44DA-9EA9-414AF3C1B8A0}" presName="negativeSpace" presStyleCnt="0"/>
@@ -2480,6 +2564,13 @@
         </dgm:presLayoutVars>
       </dgm:prSet>
       <dgm:spPr/>
+      <dgm:t>
+        <a:bodyPr/>
+        <a:lstStyle/>
+        <a:p>
+          <a:endParaRPr lang="ru-RU"/>
+        </a:p>
+      </dgm:t>
     </dgm:pt>
     <dgm:pt modelId="{FF1753E9-9405-4553-9530-93B098B1D0F3}" type="pres">
       <dgm:prSet presAssocID="{72865A91-D74D-4681-9CFD-8640E79DEB87}" presName="spaceBetweenRectangles" presStyleCnt="0"/>
@@ -2492,6 +2583,13 @@
     <dgm:pt modelId="{084B2C2D-DC8B-40E4-982F-EB9286EB1175}" type="pres">
       <dgm:prSet presAssocID="{40F7BD19-DC3B-41A3-AC39-2385CA9755F6}" presName="parentLeftMargin" presStyleLbl="node1" presStyleIdx="1" presStyleCnt="3"/>
       <dgm:spPr/>
+      <dgm:t>
+        <a:bodyPr/>
+        <a:lstStyle/>
+        <a:p>
+          <a:endParaRPr lang="ru-RU"/>
+        </a:p>
+      </dgm:t>
     </dgm:pt>
     <dgm:pt modelId="{11BD56DB-9973-409F-A3DE-89254C3A39E0}" type="pres">
       <dgm:prSet presAssocID="{40F7BD19-DC3B-41A3-AC39-2385CA9755F6}" presName="parentText" presStyleLbl="node1" presStyleIdx="2" presStyleCnt="3">
@@ -2501,6 +2599,13 @@
         </dgm:presLayoutVars>
       </dgm:prSet>
       <dgm:spPr/>
+      <dgm:t>
+        <a:bodyPr/>
+        <a:lstStyle/>
+        <a:p>
+          <a:endParaRPr lang="ru-RU"/>
+        </a:p>
+      </dgm:t>
     </dgm:pt>
     <dgm:pt modelId="{75A0CA3E-C342-4343-9A52-A1CC06A3325F}" type="pres">
       <dgm:prSet presAssocID="{40F7BD19-DC3B-41A3-AC39-2385CA9755F6}" presName="negativeSpace" presStyleCnt="0"/>
@@ -2513,6 +2618,13 @@
         </dgm:presLayoutVars>
       </dgm:prSet>
       <dgm:spPr/>
+      <dgm:t>
+        <a:bodyPr/>
+        <a:lstStyle/>
+        <a:p>
+          <a:endParaRPr lang="ru-RU"/>
+        </a:p>
+      </dgm:t>
     </dgm:pt>
   </dgm:ptLst>
   <dgm:cxnLst>
@@ -7719,7 +7831,7 @@
           <a:p>
             <a:fld id="{CE3BC3F9-9C5B-4717-9F59-36DC790402FE}" type="datetimeFigureOut">
               <a:rPr lang="ru-RU" smtClean="0"/>
-              <a:t>16.02.2021</a:t>
+              <a:t>24.02.2021</a:t>
             </a:fld>
             <a:endParaRPr lang="ru-RU"/>
           </a:p>
@@ -7884,7 +7996,7 @@
           <a:p>
             <a:fld id="{A20A133F-8031-4831-8F3E-50C91F823C86}" type="datetimeFigureOut">
               <a:rPr lang="ru-RU" smtClean="0"/>
-              <a:t>16.02.2021</a:t>
+              <a:t>24.02.2021</a:t>
             </a:fld>
             <a:endParaRPr lang="ru-RU"/>
           </a:p>
@@ -8917,21 +9029,6 @@
           <a:bodyPr/>
           <a:lstStyle/>
           <a:p>
-            <a:r>
-              <a:rPr lang="en-US" dirty="0" smtClean="0"/>
-              <a:t>https://github.com/MihailRomanov/System_Programming_Course</a:t>
-            </a:r>
-            <a:r>
-              <a:rPr lang="ru-RU" dirty="0" smtClean="0"/>
-              <a:t> </a:t>
-            </a:r>
-            <a:endParaRPr lang="en-US" dirty="0" smtClean="0"/>
-          </a:p>
-          <a:p>
-            <a:r>
-              <a:rPr lang="en-US" dirty="0" smtClean="0"/>
-              <a:t>https://github.com/MihailRomanov/OS_Course</a:t>
-            </a:r>
             <a:endParaRPr lang="ru-RU" dirty="0"/>
           </a:p>
         </p:txBody>
@@ -9016,21 +9113,6 @@
           <a:bodyPr/>
           <a:lstStyle/>
           <a:p>
-            <a:r>
-              <a:rPr lang="en-US" dirty="0" smtClean="0"/>
-              <a:t>https://github.com/MihailRomanov/System_Programming_Course</a:t>
-            </a:r>
-            <a:r>
-              <a:rPr lang="ru-RU" dirty="0" smtClean="0"/>
-              <a:t> </a:t>
-            </a:r>
-            <a:endParaRPr lang="en-US" dirty="0" smtClean="0"/>
-          </a:p>
-          <a:p>
-            <a:r>
-              <a:rPr lang="en-US" dirty="0" smtClean="0"/>
-              <a:t>https://github.com/MihailRomanov/OS_Course</a:t>
-            </a:r>
             <a:endParaRPr lang="ru-RU" dirty="0"/>
           </a:p>
         </p:txBody>
@@ -9115,21 +9197,6 @@
           <a:bodyPr/>
           <a:lstStyle/>
           <a:p>
-            <a:r>
-              <a:rPr lang="en-US" dirty="0" smtClean="0"/>
-              <a:t>https://github.com/MihailRomanov/System_Programming_Course</a:t>
-            </a:r>
-            <a:r>
-              <a:rPr lang="ru-RU" dirty="0" smtClean="0"/>
-              <a:t> </a:t>
-            </a:r>
-            <a:endParaRPr lang="en-US" dirty="0" smtClean="0"/>
-          </a:p>
-          <a:p>
-            <a:r>
-              <a:rPr lang="en-US" dirty="0" smtClean="0"/>
-              <a:t>https://github.com/MihailRomanov/OS_Course</a:t>
-            </a:r>
             <a:endParaRPr lang="ru-RU" dirty="0"/>
           </a:p>
         </p:txBody>
@@ -12779,6 +12846,36 @@
           </a:p>
         </p:txBody>
       </p:sp>
+      <p:pic>
+        <p:nvPicPr>
+          <p:cNvPr id="4" name="Рисунок 3"/>
+          <p:cNvPicPr>
+            <a:picLocks noChangeAspect="1"/>
+          </p:cNvPicPr>
+          <p:nvPr/>
+        </p:nvPicPr>
+        <p:blipFill>
+          <a:blip r:embed="rId2">
+            <a:extLst>
+              <a:ext uri="{28A0092B-C50C-407E-A947-70E740481C1C}">
+                <a14:useLocalDpi xmlns:a14="http://schemas.microsoft.com/office/drawing/2010/main" val="0"/>
+              </a:ext>
+            </a:extLst>
+          </a:blip>
+          <a:stretch>
+            <a:fillRect/>
+          </a:stretch>
+        </p:blipFill>
+        <p:spPr>
+          <a:xfrm>
+            <a:off x="8448900" y="716989"/>
+            <a:ext cx="2171428" cy="888889"/>
+          </a:xfrm>
+          <a:prstGeom prst="rect">
+            <a:avLst/>
+          </a:prstGeom>
+        </p:spPr>
+      </p:pic>
     </p:spTree>
     <p:extLst>
       <p:ext uri="{BB962C8B-B14F-4D97-AF65-F5344CB8AC3E}">
@@ -12789,6 +12886,13 @@
   <p:clrMapOvr>
     <a:masterClrMapping/>
   </p:clrMapOvr>
+  <p:timing>
+    <p:tnLst>
+      <p:par>
+        <p:cTn id="1" dur="indefinite" restart="never" nodeType="tmRoot"/>
+      </p:par>
+    </p:tnLst>
+  </p:timing>
 </p:sld>
 </file>
 
@@ -15976,6 +16080,13 @@
   <p:clrMapOvr>
     <a:masterClrMapping/>
   </p:clrMapOvr>
+  <p:timing>
+    <p:tnLst>
+      <p:par>
+        <p:cTn id="1" dur="indefinite" restart="never" nodeType="tmRoot"/>
+      </p:par>
+    </p:tnLst>
+  </p:timing>
 </p:sld>
 </file>
 
@@ -16065,6 +16176,9 @@
                     <p:cTn id="3" fill="hold">
                       <p:stCondLst>
                         <p:cond delay="indefinite"/>
+                        <p:cond evt="onBegin" delay="0">
+                          <p:tn val="2"/>
+                        </p:cond>
                       </p:stCondLst>
                       <p:childTnLst>
                         <p:par>
@@ -16074,7 +16188,7 @@
                             </p:stCondLst>
                             <p:childTnLst>
                               <p:par>
-                                <p:cTn id="5" presetID="10" presetClass="entr" presetSubtype="0" fill="hold" grpId="0" nodeType="clickEffect">
+                                <p:cTn id="5" presetID="10" presetClass="entr" presetSubtype="0" fill="hold" grpId="0" nodeType="afterEffect">
                                   <p:stCondLst>
                                     <p:cond delay="0"/>
                                   </p:stCondLst>
@@ -16205,30 +16319,21 @@
                             </p:childTnLst>
                           </p:cTn>
                         </p:par>
-                      </p:childTnLst>
-                    </p:cTn>
-                  </p:par>
-                  <p:par>
-                    <p:cTn id="14" fill="hold">
-                      <p:stCondLst>
-                        <p:cond delay="indefinite"/>
-                      </p:stCondLst>
-                      <p:childTnLst>
                         <p:par>
-                          <p:cTn id="15" fill="hold">
+                          <p:cTn id="14" fill="hold">
                             <p:stCondLst>
-                              <p:cond delay="0"/>
+                              <p:cond delay="500"/>
                             </p:stCondLst>
                             <p:childTnLst>
                               <p:par>
-                                <p:cTn id="16" presetID="10" presetClass="entr" presetSubtype="0" fill="hold" grpId="0" nodeType="clickEffect">
+                                <p:cTn id="15" presetID="10" presetClass="entr" presetSubtype="0" fill="hold" grpId="0" nodeType="afterEffect">
                                   <p:stCondLst>
-                                    <p:cond delay="0"/>
+                                    <p:cond delay="500"/>
                                   </p:stCondLst>
                                   <p:childTnLst>
                                     <p:set>
                                       <p:cBhvr>
-                                        <p:cTn id="17" dur="1" fill="hold">
+                                        <p:cTn id="16" dur="1" fill="hold">
                                           <p:stCondLst>
                                             <p:cond delay="0"/>
                                           </p:stCondLst>
@@ -16250,7 +16355,7 @@
                                     </p:set>
                                     <p:animEffect transition="in" filter="fade">
                                       <p:cBhvr>
-                                        <p:cTn id="18" dur="500"/>
+                                        <p:cTn id="17" dur="500"/>
                                         <p:tgtEl>
                                           <p:spTgt spid="5">
                                             <p:graphicEl>
@@ -16264,14 +16369,14 @@
                                 </p:cTn>
                               </p:par>
                               <p:par>
-                                <p:cTn id="19" presetID="10" presetClass="entr" presetSubtype="0" fill="hold" grpId="0" nodeType="withEffect">
+                                <p:cTn id="18" presetID="10" presetClass="entr" presetSubtype="0" fill="hold" grpId="0" nodeType="withEffect">
                                   <p:stCondLst>
-                                    <p:cond delay="0"/>
+                                    <p:cond delay="500"/>
                                   </p:stCondLst>
                                   <p:childTnLst>
                                     <p:set>
                                       <p:cBhvr>
-                                        <p:cTn id="20" dur="1" fill="hold">
+                                        <p:cTn id="19" dur="1" fill="hold">
                                           <p:stCondLst>
                                             <p:cond delay="0"/>
                                           </p:stCondLst>
@@ -16293,7 +16398,7 @@
                                     </p:set>
                                     <p:animEffect transition="in" filter="fade">
                                       <p:cBhvr>
-                                        <p:cTn id="21" dur="500"/>
+                                        <p:cTn id="20" dur="500"/>
                                         <p:tgtEl>
                                           <p:spTgt spid="5">
                                             <p:graphicEl>
@@ -16309,30 +16414,21 @@
                             </p:childTnLst>
                           </p:cTn>
                         </p:par>
-                      </p:childTnLst>
-                    </p:cTn>
-                  </p:par>
-                  <p:par>
-                    <p:cTn id="22" fill="hold">
-                      <p:stCondLst>
-                        <p:cond delay="indefinite"/>
-                      </p:stCondLst>
-                      <p:childTnLst>
                         <p:par>
-                          <p:cTn id="23" fill="hold">
+                          <p:cTn id="21" fill="hold">
                             <p:stCondLst>
-                              <p:cond delay="0"/>
+                              <p:cond delay="1500"/>
                             </p:stCondLst>
                             <p:childTnLst>
                               <p:par>
-                                <p:cTn id="24" presetID="10" presetClass="entr" presetSubtype="0" fill="hold" grpId="0" nodeType="clickEffect">
+                                <p:cTn id="22" presetID="10" presetClass="entr" presetSubtype="0" fill="hold" grpId="0" nodeType="afterEffect">
                                   <p:stCondLst>
-                                    <p:cond delay="0"/>
+                                    <p:cond delay="500"/>
                                   </p:stCondLst>
                                   <p:childTnLst>
                                     <p:set>
                                       <p:cBhvr>
-                                        <p:cTn id="25" dur="1" fill="hold">
+                                        <p:cTn id="23" dur="1" fill="hold">
                                           <p:stCondLst>
                                             <p:cond delay="0"/>
                                           </p:stCondLst>
@@ -16354,7 +16450,7 @@
                                     </p:set>
                                     <p:animEffect transition="in" filter="fade">
                                       <p:cBhvr>
-                                        <p:cTn id="26" dur="500"/>
+                                        <p:cTn id="24" dur="500"/>
                                         <p:tgtEl>
                                           <p:spTgt spid="5">
                                             <p:graphicEl>
@@ -16368,14 +16464,14 @@
                                 </p:cTn>
                               </p:par>
                               <p:par>
-                                <p:cTn id="27" presetID="10" presetClass="entr" presetSubtype="0" fill="hold" grpId="0" nodeType="withEffect">
+                                <p:cTn id="25" presetID="10" presetClass="entr" presetSubtype="0" fill="hold" grpId="0" nodeType="withEffect">
                                   <p:stCondLst>
-                                    <p:cond delay="0"/>
+                                    <p:cond delay="500"/>
                                   </p:stCondLst>
                                   <p:childTnLst>
                                     <p:set>
                                       <p:cBhvr>
-                                        <p:cTn id="28" dur="1" fill="hold">
+                                        <p:cTn id="26" dur="1" fill="hold">
                                           <p:stCondLst>
                                             <p:cond delay="0"/>
                                           </p:stCondLst>
@@ -16397,7 +16493,7 @@
                                     </p:set>
                                     <p:animEffect transition="in" filter="fade">
                                       <p:cBhvr>
-                                        <p:cTn id="29" dur="500"/>
+                                        <p:cTn id="27" dur="500"/>
                                         <p:tgtEl>
                                           <p:spTgt spid="5">
                                             <p:graphicEl>
@@ -16413,30 +16509,21 @@
                             </p:childTnLst>
                           </p:cTn>
                         </p:par>
-                      </p:childTnLst>
-                    </p:cTn>
-                  </p:par>
-                  <p:par>
-                    <p:cTn id="30" fill="hold">
-                      <p:stCondLst>
-                        <p:cond delay="indefinite"/>
-                      </p:stCondLst>
-                      <p:childTnLst>
                         <p:par>
-                          <p:cTn id="31" fill="hold">
+                          <p:cTn id="28" fill="hold">
                             <p:stCondLst>
-                              <p:cond delay="0"/>
+                              <p:cond delay="2500"/>
                             </p:stCondLst>
                             <p:childTnLst>
                               <p:par>
-                                <p:cTn id="32" presetID="10" presetClass="entr" presetSubtype="0" fill="hold" grpId="0" nodeType="clickEffect">
+                                <p:cTn id="29" presetID="10" presetClass="entr" presetSubtype="0" fill="hold" grpId="0" nodeType="afterEffect">
                                   <p:stCondLst>
-                                    <p:cond delay="0"/>
+                                    <p:cond delay="500"/>
                                   </p:stCondLst>
                                   <p:childTnLst>
                                     <p:set>
                                       <p:cBhvr>
-                                        <p:cTn id="33" dur="1" fill="hold">
+                                        <p:cTn id="30" dur="1" fill="hold">
                                           <p:stCondLst>
                                             <p:cond delay="0"/>
                                           </p:stCondLst>
@@ -16458,7 +16545,7 @@
                                     </p:set>
                                     <p:animEffect transition="in" filter="fade">
                                       <p:cBhvr>
-                                        <p:cTn id="34" dur="500"/>
+                                        <p:cTn id="31" dur="500"/>
                                         <p:tgtEl>
                                           <p:spTgt spid="5">
                                             <p:graphicEl>
@@ -16472,14 +16559,14 @@
                                 </p:cTn>
                               </p:par>
                               <p:par>
-                                <p:cTn id="35" presetID="10" presetClass="entr" presetSubtype="0" fill="hold" grpId="0" nodeType="withEffect">
+                                <p:cTn id="32" presetID="10" presetClass="entr" presetSubtype="0" fill="hold" grpId="0" nodeType="withEffect">
                                   <p:stCondLst>
-                                    <p:cond delay="0"/>
+                                    <p:cond delay="500"/>
                                   </p:stCondLst>
                                   <p:childTnLst>
                                     <p:set>
                                       <p:cBhvr>
-                                        <p:cTn id="36" dur="1" fill="hold">
+                                        <p:cTn id="33" dur="1" fill="hold">
                                           <p:stCondLst>
                                             <p:cond delay="0"/>
                                           </p:stCondLst>
@@ -16501,7 +16588,7 @@
                                     </p:set>
                                     <p:animEffect transition="in" filter="fade">
                                       <p:cBhvr>
-                                        <p:cTn id="37" dur="500"/>
+                                        <p:cTn id="34" dur="500"/>
                                         <p:tgtEl>
                                           <p:spTgt spid="5">
                                             <p:graphicEl>
@@ -16542,7 +16629,7 @@
       </p:par>
     </p:tnLst>
     <p:bldLst>
-      <p:bldGraphic spid="5" grpId="0">
+      <p:bldGraphic spid="5" grpId="0" uiExpand="1">
         <p:bldSub>
           <a:bldDgm bld="one"/>
         </p:bldSub>
@@ -16691,15 +16778,15 @@
         </p:spPr>
         <p:style>
           <a:lnRef idx="2">
-            <a:schemeClr val="accent1">
+            <a:schemeClr val="accent4">
               <a:shade val="50000"/>
             </a:schemeClr>
           </a:lnRef>
           <a:fillRef idx="1">
-            <a:schemeClr val="accent1"/>
+            <a:schemeClr val="accent4"/>
           </a:fillRef>
           <a:effectRef idx="0">
-            <a:schemeClr val="accent1"/>
+            <a:schemeClr val="accent4"/>
           </a:effectRef>
           <a:fontRef idx="minor">
             <a:schemeClr val="lt1"/>
@@ -16735,15 +16822,15 @@
         </p:spPr>
         <p:style>
           <a:lnRef idx="2">
-            <a:schemeClr val="accent1">
+            <a:schemeClr val="accent2">
               <a:shade val="50000"/>
             </a:schemeClr>
           </a:lnRef>
           <a:fillRef idx="1">
-            <a:schemeClr val="accent1"/>
+            <a:schemeClr val="accent2"/>
           </a:fillRef>
           <a:effectRef idx="0">
-            <a:schemeClr val="accent1"/>
+            <a:schemeClr val="accent2"/>
           </a:effectRef>
           <a:fontRef idx="minor">
             <a:schemeClr val="lt1"/>
@@ -16831,15 +16918,15 @@
         </p:spPr>
         <p:style>
           <a:lnRef idx="2">
-            <a:schemeClr val="accent1">
+            <a:schemeClr val="accent6">
               <a:shade val="50000"/>
             </a:schemeClr>
           </a:lnRef>
           <a:fillRef idx="1">
-            <a:schemeClr val="accent1"/>
+            <a:schemeClr val="accent6"/>
           </a:fillRef>
           <a:effectRef idx="0">
-            <a:schemeClr val="accent1"/>
+            <a:schemeClr val="accent6"/>
           </a:effectRef>
           <a:fontRef idx="minor">
             <a:schemeClr val="lt1"/>
@@ -16851,10 +16938,18 @@
           <a:p>
             <a:pPr algn="ctr"/>
             <a:r>
-              <a:rPr lang="ru-RU" dirty="0" smtClean="0"/>
+              <a:rPr lang="ru-RU" dirty="0" smtClean="0">
+                <a:solidFill>
+                  <a:schemeClr val="tx1"/>
+                </a:solidFill>
+              </a:rPr>
               <a:t>Инфраструктура (запуск, хранение, обновление, …)</a:t>
             </a:r>
-            <a:endParaRPr lang="ru-RU" dirty="0"/>
+            <a:endParaRPr lang="ru-RU" dirty="0">
+              <a:solidFill>
+                <a:schemeClr val="tx1"/>
+              </a:solidFill>
+            </a:endParaRPr>
           </a:p>
         </p:txBody>
       </p:sp>
@@ -16880,14 +16975,14 @@
           </a:ln>
         </p:spPr>
         <p:style>
-          <a:lnRef idx="1">
-            <a:schemeClr val="accent1"/>
+          <a:lnRef idx="3">
+            <a:schemeClr val="dk1"/>
           </a:lnRef>
           <a:fillRef idx="0">
-            <a:schemeClr val="accent1"/>
+            <a:schemeClr val="dk1"/>
           </a:fillRef>
-          <a:effectRef idx="0">
-            <a:schemeClr val="accent1"/>
+          <a:effectRef idx="2">
+            <a:schemeClr val="dk1"/>
           </a:effectRef>
           <a:fontRef idx="minor">
             <a:schemeClr val="tx1"/>
@@ -16916,14 +17011,14 @@
           </a:ln>
         </p:spPr>
         <p:style>
-          <a:lnRef idx="1">
-            <a:schemeClr val="accent1"/>
+          <a:lnRef idx="3">
+            <a:schemeClr val="dk1"/>
           </a:lnRef>
           <a:fillRef idx="0">
-            <a:schemeClr val="accent1"/>
+            <a:schemeClr val="dk1"/>
           </a:fillRef>
-          <a:effectRef idx="0">
-            <a:schemeClr val="accent1"/>
+          <a:effectRef idx="2">
+            <a:schemeClr val="dk1"/>
           </a:effectRef>
           <a:fontRef idx="minor">
             <a:schemeClr val="tx1"/>
@@ -17561,9 +17656,6 @@
                     <p:cTn id="3" fill="hold">
                       <p:stCondLst>
                         <p:cond delay="indefinite"/>
-                        <p:cond evt="onBegin" delay="0">
-                          <p:tn val="2"/>
-                        </p:cond>
                       </p:stCondLst>
                       <p:childTnLst>
                         <p:par>
@@ -17573,9 +17665,9 @@
                             </p:stCondLst>
                             <p:childTnLst>
                               <p:par>
-                                <p:cTn id="5" presetID="10" presetClass="entr" presetSubtype="0" fill="hold" nodeType="afterEffect">
+                                <p:cTn id="5" presetID="10" presetClass="entr" presetSubtype="0" fill="hold" nodeType="clickEffect">
                                   <p:stCondLst>
-                                    <p:cond delay="750"/>
+                                    <p:cond delay="0"/>
                                   </p:stCondLst>
                                   <p:childTnLst>
                                     <p:set>
@@ -17607,24 +17699,59 @@
                                   </p:childTnLst>
                                 </p:cTn>
                               </p:par>
+                              <p:par>
+                                <p:cTn id="8" presetID="10" presetClass="entr" presetSubtype="0" fill="hold" grpId="0" nodeType="withEffect">
+                                  <p:stCondLst>
+                                    <p:cond delay="0"/>
+                                  </p:stCondLst>
+                                  <p:childTnLst>
+                                    <p:set>
+                                      <p:cBhvr>
+                                        <p:cTn id="9" dur="1" fill="hold">
+                                          <p:stCondLst>
+                                            <p:cond delay="0"/>
+                                          </p:stCondLst>
+                                        </p:cTn>
+                                        <p:tgtEl>
+                                          <p:spTgt spid="6"/>
+                                        </p:tgtEl>
+                                        <p:attrNameLst>
+                                          <p:attrName>style.visibility</p:attrName>
+                                        </p:attrNameLst>
+                                      </p:cBhvr>
+                                      <p:to>
+                                        <p:strVal val="visible"/>
+                                      </p:to>
+                                    </p:set>
+                                    <p:animEffect transition="in" filter="fade">
+                                      <p:cBhvr>
+                                        <p:cTn id="10" dur="500"/>
+                                        <p:tgtEl>
+                                          <p:spTgt spid="6"/>
+                                        </p:tgtEl>
+                                      </p:cBhvr>
+                                    </p:animEffect>
+                                  </p:childTnLst>
+                                </p:cTn>
+                              </p:par>
                             </p:childTnLst>
                           </p:cTn>
                         </p:par>
                         <p:par>
-                          <p:cTn id="8" fill="hold">
+                          <p:cTn id="11" fill="hold">
                             <p:stCondLst>
-                              <p:cond delay="1500"/>
+                              <p:cond delay="750"/>
                             </p:stCondLst>
                             <p:childTnLst>
                               <p:par>
-                                <p:cTn id="9" presetID="10" presetClass="entr" presetSubtype="0" fill="hold" nodeType="afterEffect">
+                                <p:cTn id="12" presetID="10" presetClass="entr" presetSubtype="0" fill="hold" nodeType="afterEffect">
                                   <p:stCondLst>
                                     <p:cond delay="500"/>
                                   </p:stCondLst>
                                   <p:childTnLst>
                                     <p:set>
                                       <p:cBhvr>
-                                        <p:cTn id="10" dur="1" fill="hold">
+                                        <p:cTn id="13" dur="1" fill="hold">
                                           <p:stCondLst>
                                             <p:cond delay="0"/>
                                           </p:stCondLst>
@@ -17642,9 +17769,44 @@
                                     </p:set>
                                     <p:animEffect transition="in" filter="fade">
                                       <p:cBhvr>
-                                        <p:cTn id="11" dur="750"/>
+                                        <p:cTn id="14" dur="750"/>
                                         <p:tgtEl>
                                           <p:spTgt spid="4"/>
+                                        </p:tgtEl>
+                                      </p:cBhvr>
+                                    </p:animEffect>
+                                  </p:childTnLst>
+                                </p:cTn>
+                              </p:par>
+                              <p:par>
+                                <p:cTn id="15" presetID="10" presetClass="entr" presetSubtype="0" fill="hold" grpId="0" nodeType="withEffect">
+                                  <p:stCondLst>
+                                    <p:cond delay="500"/>
+                                  </p:stCondLst>
+                                  <p:childTnLst>
+                                    <p:set>
+                                      <p:cBhvr>
+                                        <p:cTn id="16" dur="1" fill="hold">
+                                          <p:stCondLst>
+                                            <p:cond delay="0"/>
+                                          </p:stCondLst>
+                                        </p:cTn>
+                                        <p:tgtEl>
+                                          <p:spTgt spid="5"/>
+                                        </p:tgtEl>
+                                        <p:attrNameLst>
+                                          <p:attrName>style.visibility</p:attrName>
+                                        </p:attrNameLst>
+                                      </p:cBhvr>
+                                      <p:to>
+                                        <p:strVal val="visible"/>
+                                      </p:to>
+                                    </p:set>
+                                    <p:animEffect transition="in" filter="fade">
+                                      <p:cBhvr>
+                                        <p:cTn id="17" dur="500"/>
+                                        <p:tgtEl>
+                                          <p:spTgt spid="5"/>
                                         </p:tgtEl>
                                       </p:cBhvr>
                                     </p:animEffect>
@@ -17655,20 +17817,20 @@
                           </p:cTn>
                         </p:par>
                         <p:par>
-                          <p:cTn id="12" fill="hold">
+                          <p:cTn id="18" fill="hold">
                             <p:stCondLst>
-                              <p:cond delay="2750"/>
+                              <p:cond delay="2000"/>
                             </p:stCondLst>
                             <p:childTnLst>
                               <p:par>
-                                <p:cTn id="13" presetID="10" presetClass="entr" presetSubtype="0" fill="hold" nodeType="afterEffect">
+                                <p:cTn id="19" presetID="10" presetClass="entr" presetSubtype="0" fill="hold" nodeType="afterEffect">
                                   <p:stCondLst>
                                     <p:cond delay="500"/>
                                   </p:stCondLst>
                                   <p:childTnLst>
                                     <p:set>
                                       <p:cBhvr>
-                                        <p:cTn id="14" dur="1" fill="hold">
+                                        <p:cTn id="20" dur="1" fill="hold">
                                           <p:stCondLst>
                                             <p:cond delay="0"/>
                                           </p:stCondLst>
@@ -17686,9 +17848,44 @@
                                     </p:set>
                                     <p:animEffect transition="in" filter="fade">
                                       <p:cBhvr>
-                                        <p:cTn id="15" dur="750"/>
+                                        <p:cTn id="21" dur="750"/>
                                         <p:tgtEl>
                                           <p:spTgt spid="8"/>
+                                        </p:tgtEl>
+                                      </p:cBhvr>
+                                    </p:animEffect>
+                                  </p:childTnLst>
+                                </p:cTn>
+                              </p:par>
+                              <p:par>
+                                <p:cTn id="22" presetID="10" presetClass="entr" presetSubtype="0" fill="hold" grpId="0" nodeType="withEffect">
+                                  <p:stCondLst>
+                                    <p:cond delay="500"/>
+                                  </p:stCondLst>
+                                  <p:childTnLst>
+                                    <p:set>
+                                      <p:cBhvr>
+                                        <p:cTn id="23" dur="1" fill="hold">
+                                          <p:stCondLst>
+                                            <p:cond delay="0"/>
+                                          </p:stCondLst>
+                                        </p:cTn>
+                                        <p:tgtEl>
+                                          <p:spTgt spid="7"/>
+                                        </p:tgtEl>
+                                        <p:attrNameLst>
+                                          <p:attrName>style.visibility</p:attrName>
+                                        </p:attrNameLst>
+                                      </p:cBhvr>
+                                      <p:to>
+                                        <p:strVal val="visible"/>
+                                      </p:to>
+                                    </p:set>
+                                    <p:animEffect transition="in" filter="fade">
+                                      <p:cBhvr>
+                                        <p:cTn id="24" dur="500"/>
+                                        <p:tgtEl>
+                                          <p:spTgt spid="7"/>
                                         </p:tgtEl>
                                       </p:cBhvr>
                                     </p:animEffect>
@@ -17722,6 +17919,11 @@
         </p:cTn>
       </p:par>
     </p:tnLst>
+    <p:bldLst>
+      <p:bldP spid="5" grpId="0"/>
+      <p:bldP spid="6" grpId="0"/>
+      <p:bldP spid="7" grpId="0"/>
+    </p:bldLst>
   </p:timing>
 </p:sld>
 </file>
@@ -20688,6 +20890,326 @@
   <p:clrMapOvr>
     <a:masterClrMapping/>
   </p:clrMapOvr>
+  <p:timing>
+    <p:tnLst>
+      <p:par>
+        <p:cTn id="1" dur="indefinite" restart="never" nodeType="tmRoot">
+          <p:childTnLst>
+            <p:seq concurrent="1" nextAc="seek">
+              <p:cTn id="2" dur="indefinite" nodeType="mainSeq">
+                <p:childTnLst>
+                  <p:par>
+                    <p:cTn id="3" fill="hold">
+                      <p:stCondLst>
+                        <p:cond delay="indefinite"/>
+                      </p:stCondLst>
+                      <p:childTnLst>
+                        <p:par>
+                          <p:cTn id="4" fill="hold">
+                            <p:stCondLst>
+                              <p:cond delay="0"/>
+                            </p:stCondLst>
+                            <p:childTnLst>
+                              <p:par>
+                                <p:cTn id="5" presetID="10" presetClass="entr" presetSubtype="0" fill="hold" grpId="0" nodeType="clickEffect">
+                                  <p:stCondLst>
+                                    <p:cond delay="0"/>
+                                  </p:stCondLst>
+                                  <p:childTnLst>
+                                    <p:set>
+                                      <p:cBhvr>
+                                        <p:cTn id="6" dur="1" fill="hold">
+                                          <p:stCondLst>
+                                            <p:cond delay="0"/>
+                                          </p:stCondLst>
+                                        </p:cTn>
+                                        <p:tgtEl>
+                                          <p:spTgt spid="2">
+                                            <p:txEl>
+                                              <p:pRg st="0" end="0"/>
+                                            </p:txEl>
+                                          </p:spTgt>
+                                        </p:tgtEl>
+                                        <p:attrNameLst>
+                                          <p:attrName>style.visibility</p:attrName>
+                                        </p:attrNameLst>
+                                      </p:cBhvr>
+                                      <p:to>
+                                        <p:strVal val="visible"/>
+                                      </p:to>
+                                    </p:set>
+                                    <p:animEffect transition="in" filter="fade">
+                                      <p:cBhvr>
+                                        <p:cTn id="7" dur="500"/>
+                                        <p:tgtEl>
+                                          <p:spTgt spid="2">
+                                            <p:txEl>
+                                              <p:pRg st="0" end="0"/>
+                                            </p:txEl>
+                                          </p:spTgt>
+                                        </p:tgtEl>
+                                      </p:cBhvr>
+                                    </p:animEffect>
+                                  </p:childTnLst>
+                                </p:cTn>
+                              </p:par>
+                              <p:par>
+                                <p:cTn id="8" presetID="10" presetClass="entr" presetSubtype="0" fill="hold" grpId="0" nodeType="withEffect">
+                                  <p:stCondLst>
+                                    <p:cond delay="0"/>
+                                  </p:stCondLst>
+                                  <p:childTnLst>
+                                    <p:set>
+                                      <p:cBhvr>
+                                        <p:cTn id="9" dur="1" fill="hold">
+                                          <p:stCondLst>
+                                            <p:cond delay="0"/>
+                                          </p:stCondLst>
+                                        </p:cTn>
+                                        <p:tgtEl>
+                                          <p:spTgt spid="2">
+                                            <p:txEl>
+                                              <p:pRg st="1" end="1"/>
+                                            </p:txEl>
+                                          </p:spTgt>
+                                        </p:tgtEl>
+                                        <p:attrNameLst>
+                                          <p:attrName>style.visibility</p:attrName>
+                                        </p:attrNameLst>
+                                      </p:cBhvr>
+                                      <p:to>
+                                        <p:strVal val="visible"/>
+                                      </p:to>
+                                    </p:set>
+                                    <p:animEffect transition="in" filter="fade">
+                                      <p:cBhvr>
+                                        <p:cTn id="10" dur="500"/>
+                                        <p:tgtEl>
+                                          <p:spTgt spid="2">
+                                            <p:txEl>
+                                              <p:pRg st="1" end="1"/>
+                                            </p:txEl>
+                                          </p:spTgt>
+                                        </p:tgtEl>
+                                      </p:cBhvr>
+                                    </p:animEffect>
+                                  </p:childTnLst>
+                                </p:cTn>
+                              </p:par>
+                            </p:childTnLst>
+                          </p:cTn>
+                        </p:par>
+                      </p:childTnLst>
+                    </p:cTn>
+                  </p:par>
+                  <p:par>
+                    <p:cTn id="11" fill="hold">
+                      <p:stCondLst>
+                        <p:cond delay="indefinite"/>
+                      </p:stCondLst>
+                      <p:childTnLst>
+                        <p:par>
+                          <p:cTn id="12" fill="hold">
+                            <p:stCondLst>
+                              <p:cond delay="0"/>
+                            </p:stCondLst>
+                            <p:childTnLst>
+                              <p:par>
+                                <p:cTn id="13" presetID="10" presetClass="entr" presetSubtype="0" fill="hold" grpId="0" nodeType="clickEffect">
+                                  <p:stCondLst>
+                                    <p:cond delay="0"/>
+                                  </p:stCondLst>
+                                  <p:childTnLst>
+                                    <p:set>
+                                      <p:cBhvr>
+                                        <p:cTn id="14" dur="1" fill="hold">
+                                          <p:stCondLst>
+                                            <p:cond delay="0"/>
+                                          </p:stCondLst>
+                                        </p:cTn>
+                                        <p:tgtEl>
+                                          <p:spTgt spid="2">
+                                            <p:txEl>
+                                              <p:pRg st="2" end="2"/>
+                                            </p:txEl>
+                                          </p:spTgt>
+                                        </p:tgtEl>
+                                        <p:attrNameLst>
+                                          <p:attrName>style.visibility</p:attrName>
+                                        </p:attrNameLst>
+                                      </p:cBhvr>
+                                      <p:to>
+                                        <p:strVal val="visible"/>
+                                      </p:to>
+                                    </p:set>
+                                    <p:animEffect transition="in" filter="fade">
+                                      <p:cBhvr>
+                                        <p:cTn id="15" dur="500"/>
+                                        <p:tgtEl>
+                                          <p:spTgt spid="2">
+                                            <p:txEl>
+                                              <p:pRg st="2" end="2"/>
+                                            </p:txEl>
+                                          </p:spTgt>
+                                        </p:tgtEl>
+                                      </p:cBhvr>
+                                    </p:animEffect>
+                                  </p:childTnLst>
+                                </p:cTn>
+                              </p:par>
+                            </p:childTnLst>
+                          </p:cTn>
+                        </p:par>
+                      </p:childTnLst>
+                    </p:cTn>
+                  </p:par>
+                  <p:par>
+                    <p:cTn id="16" fill="hold">
+                      <p:stCondLst>
+                        <p:cond delay="indefinite"/>
+                      </p:stCondLst>
+                      <p:childTnLst>
+                        <p:par>
+                          <p:cTn id="17" fill="hold">
+                            <p:stCondLst>
+                              <p:cond delay="0"/>
+                            </p:stCondLst>
+                            <p:childTnLst>
+                              <p:par>
+                                <p:cTn id="18" presetID="10" presetClass="entr" presetSubtype="0" fill="hold" grpId="0" nodeType="clickEffect">
+                                  <p:stCondLst>
+                                    <p:cond delay="0"/>
+                                  </p:stCondLst>
+                                  <p:childTnLst>
+                                    <p:set>
+                                      <p:cBhvr>
+                                        <p:cTn id="19" dur="1" fill="hold">
+                                          <p:stCondLst>
+                                            <p:cond delay="0"/>
+                                          </p:stCondLst>
+                                        </p:cTn>
+                                        <p:tgtEl>
+                                          <p:spTgt spid="2">
+                                            <p:txEl>
+                                              <p:pRg st="3" end="3"/>
+                                            </p:txEl>
+                                          </p:spTgt>
+                                        </p:tgtEl>
+                                        <p:attrNameLst>
+                                          <p:attrName>style.visibility</p:attrName>
+                                        </p:attrNameLst>
+                                      </p:cBhvr>
+                                      <p:to>
+                                        <p:strVal val="visible"/>
+                                      </p:to>
+                                    </p:set>
+                                    <p:animEffect transition="in" filter="fade">
+                                      <p:cBhvr>
+                                        <p:cTn id="20" dur="500"/>
+                                        <p:tgtEl>
+                                          <p:spTgt spid="2">
+                                            <p:txEl>
+                                              <p:pRg st="3" end="3"/>
+                                            </p:txEl>
+                                          </p:spTgt>
+                                        </p:tgtEl>
+                                      </p:cBhvr>
+                                    </p:animEffect>
+                                  </p:childTnLst>
+                                </p:cTn>
+                              </p:par>
+                            </p:childTnLst>
+                          </p:cTn>
+                        </p:par>
+                      </p:childTnLst>
+                    </p:cTn>
+                  </p:par>
+                  <p:par>
+                    <p:cTn id="21" fill="hold">
+                      <p:stCondLst>
+                        <p:cond delay="indefinite"/>
+                      </p:stCondLst>
+                      <p:childTnLst>
+                        <p:par>
+                          <p:cTn id="22" fill="hold">
+                            <p:stCondLst>
+                              <p:cond delay="0"/>
+                            </p:stCondLst>
+                            <p:childTnLst>
+                              <p:par>
+                                <p:cTn id="23" presetID="10" presetClass="entr" presetSubtype="0" fill="hold" grpId="0" nodeType="clickEffect">
+                                  <p:stCondLst>
+                                    <p:cond delay="0"/>
+                                  </p:stCondLst>
+                                  <p:childTnLst>
+                                    <p:set>
+                                      <p:cBhvr>
+                                        <p:cTn id="24" dur="1" fill="hold">
+                                          <p:stCondLst>
+                                            <p:cond delay="0"/>
+                                          </p:stCondLst>
+                                        </p:cTn>
+                                        <p:tgtEl>
+                                          <p:spTgt spid="2">
+                                            <p:txEl>
+                                              <p:pRg st="4" end="4"/>
+                                            </p:txEl>
+                                          </p:spTgt>
+                                        </p:tgtEl>
+                                        <p:attrNameLst>
+                                          <p:attrName>style.visibility</p:attrName>
+                                        </p:attrNameLst>
+                                      </p:cBhvr>
+                                      <p:to>
+                                        <p:strVal val="visible"/>
+                                      </p:to>
+                                    </p:set>
+                                    <p:animEffect transition="in" filter="fade">
+                                      <p:cBhvr>
+                                        <p:cTn id="25" dur="500"/>
+                                        <p:tgtEl>
+                                          <p:spTgt spid="2">
+                                            <p:txEl>
+                                              <p:pRg st="4" end="4"/>
+                                            </p:txEl>
+                                          </p:spTgt>
+                                        </p:tgtEl>
+                                      </p:cBhvr>
+                                    </p:animEffect>
+                                  </p:childTnLst>
+                                </p:cTn>
+                              </p:par>
+                            </p:childTnLst>
+                          </p:cTn>
+                        </p:par>
+                      </p:childTnLst>
+                    </p:cTn>
+                  </p:par>
+                </p:childTnLst>
+              </p:cTn>
+              <p:prevCondLst>
+                <p:cond evt="onPrev" delay="0">
+                  <p:tgtEl>
+                    <p:sldTgt/>
+                  </p:tgtEl>
+                </p:cond>
+              </p:prevCondLst>
+              <p:nextCondLst>
+                <p:cond evt="onNext" delay="0">
+                  <p:tgtEl>
+                    <p:sldTgt/>
+                  </p:tgtEl>
+                </p:cond>
+              </p:nextCondLst>
+            </p:seq>
+          </p:childTnLst>
+        </p:cTn>
+      </p:par>
+    </p:tnLst>
+    <p:bldLst>
+      <p:bldP spid="2" grpId="0" build="p"/>
+    </p:bldLst>
+  </p:timing>
 </p:sld>
 </file>
 
@@ -24882,6 +25404,13 @@
   <p:clrMapOvr>
     <a:masterClrMapping/>
   </p:clrMapOvr>
+  <p:timing>
+    <p:tnLst>
+      <p:par>
+        <p:cTn id="1" dur="indefinite" restart="never" nodeType="tmRoot"/>
+      </p:par>
+    </p:tnLst>
+  </p:timing>
 </p:sld>
 </file>
 
@@ -25892,6 +26421,13 @@
   <p:clrMapOvr>
     <a:masterClrMapping/>
   </p:clrMapOvr>
+  <p:timing>
+    <p:tnLst>
+      <p:par>
+        <p:cTn id="1" dur="indefinite" restart="never" nodeType="tmRoot"/>
+      </p:par>
+    </p:tnLst>
+  </p:timing>
 </p:sld>
 </file>
 
@@ -26359,6 +26895,361 @@
   <p:clrMapOvr>
     <a:masterClrMapping/>
   </p:clrMapOvr>
+  <p:timing>
+    <p:tnLst>
+      <p:par>
+        <p:cTn id="1" dur="indefinite" restart="never" nodeType="tmRoot">
+          <p:childTnLst>
+            <p:seq concurrent="1" nextAc="seek">
+              <p:cTn id="2" dur="indefinite" nodeType="mainSeq">
+                <p:childTnLst>
+                  <p:par>
+                    <p:cTn id="3" fill="hold">
+                      <p:stCondLst>
+                        <p:cond delay="indefinite"/>
+                      </p:stCondLst>
+                      <p:childTnLst>
+                        <p:par>
+                          <p:cTn id="4" fill="hold">
+                            <p:stCondLst>
+                              <p:cond delay="0"/>
+                            </p:stCondLst>
+                            <p:childTnLst>
+                              <p:par>
+                                <p:cTn id="5" presetID="10" presetClass="entr" presetSubtype="0" fill="hold" grpId="0" nodeType="clickEffect">
+                                  <p:stCondLst>
+                                    <p:cond delay="0"/>
+                                  </p:stCondLst>
+                                  <p:childTnLst>
+                                    <p:set>
+                                      <p:cBhvr>
+                                        <p:cTn id="6" dur="1" fill="hold">
+                                          <p:stCondLst>
+                                            <p:cond delay="0"/>
+                                          </p:stCondLst>
+                                        </p:cTn>
+                                        <p:tgtEl>
+                                          <p:spTgt spid="3">
+                                            <p:txEl>
+                                              <p:pRg st="0" end="0"/>
+                                            </p:txEl>
+                                          </p:spTgt>
+                                        </p:tgtEl>
+                                        <p:attrNameLst>
+                                          <p:attrName>style.visibility</p:attrName>
+                                        </p:attrNameLst>
+                                      </p:cBhvr>
+                                      <p:to>
+                                        <p:strVal val="visible"/>
+                                      </p:to>
+                                    </p:set>
+                                    <p:animEffect transition="in" filter="fade">
+                                      <p:cBhvr>
+                                        <p:cTn id="7" dur="500"/>
+                                        <p:tgtEl>
+                                          <p:spTgt spid="3">
+                                            <p:txEl>
+                                              <p:pRg st="0" end="0"/>
+                                            </p:txEl>
+                                          </p:spTgt>
+                                        </p:tgtEl>
+                                      </p:cBhvr>
+                                    </p:animEffect>
+                                  </p:childTnLst>
+                                </p:cTn>
+                              </p:par>
+                            </p:childTnLst>
+                          </p:cTn>
+                        </p:par>
+                        <p:par>
+                          <p:cTn id="8" fill="hold">
+                            <p:stCondLst>
+                              <p:cond delay="500"/>
+                            </p:stCondLst>
+                            <p:childTnLst>
+                              <p:par>
+                                <p:cTn id="9" presetID="10" presetClass="entr" presetSubtype="0" fill="hold" grpId="0" nodeType="afterEffect">
+                                  <p:stCondLst>
+                                    <p:cond delay="500"/>
+                                  </p:stCondLst>
+                                  <p:childTnLst>
+                                    <p:set>
+                                      <p:cBhvr>
+                                        <p:cTn id="10" dur="1" fill="hold">
+                                          <p:stCondLst>
+                                            <p:cond delay="0"/>
+                                          </p:stCondLst>
+                                        </p:cTn>
+                                        <p:tgtEl>
+                                          <p:spTgt spid="3">
+                                            <p:txEl>
+                                              <p:pRg st="1" end="1"/>
+                                            </p:txEl>
+                                          </p:spTgt>
+                                        </p:tgtEl>
+                                        <p:attrNameLst>
+                                          <p:attrName>style.visibility</p:attrName>
+                                        </p:attrNameLst>
+                                      </p:cBhvr>
+                                      <p:to>
+                                        <p:strVal val="visible"/>
+                                      </p:to>
+                                    </p:set>
+                                    <p:animEffect transition="in" filter="fade">
+                                      <p:cBhvr>
+                                        <p:cTn id="11" dur="500"/>
+                                        <p:tgtEl>
+                                          <p:spTgt spid="3">
+                                            <p:txEl>
+                                              <p:pRg st="1" end="1"/>
+                                            </p:txEl>
+                                          </p:spTgt>
+                                        </p:tgtEl>
+                                      </p:cBhvr>
+                                    </p:animEffect>
+                                  </p:childTnLst>
+                                </p:cTn>
+                              </p:par>
+                            </p:childTnLst>
+                          </p:cTn>
+                        </p:par>
+                        <p:par>
+                          <p:cTn id="12" fill="hold">
+                            <p:stCondLst>
+                              <p:cond delay="1500"/>
+                            </p:stCondLst>
+                            <p:childTnLst>
+                              <p:par>
+                                <p:cTn id="13" presetID="10" presetClass="entr" presetSubtype="0" fill="hold" grpId="0" nodeType="afterEffect">
+                                  <p:stCondLst>
+                                    <p:cond delay="500"/>
+                                  </p:stCondLst>
+                                  <p:childTnLst>
+                                    <p:set>
+                                      <p:cBhvr>
+                                        <p:cTn id="14" dur="1" fill="hold">
+                                          <p:stCondLst>
+                                            <p:cond delay="0"/>
+                                          </p:stCondLst>
+                                        </p:cTn>
+                                        <p:tgtEl>
+                                          <p:spTgt spid="3">
+                                            <p:txEl>
+                                              <p:pRg st="2" end="2"/>
+                                            </p:txEl>
+                                          </p:spTgt>
+                                        </p:tgtEl>
+                                        <p:attrNameLst>
+                                          <p:attrName>style.visibility</p:attrName>
+                                        </p:attrNameLst>
+                                      </p:cBhvr>
+                                      <p:to>
+                                        <p:strVal val="visible"/>
+                                      </p:to>
+                                    </p:set>
+                                    <p:animEffect transition="in" filter="fade">
+                                      <p:cBhvr>
+                                        <p:cTn id="15" dur="500"/>
+                                        <p:tgtEl>
+                                          <p:spTgt spid="3">
+                                            <p:txEl>
+                                              <p:pRg st="2" end="2"/>
+                                            </p:txEl>
+                                          </p:spTgt>
+                                        </p:tgtEl>
+                                      </p:cBhvr>
+                                    </p:animEffect>
+                                  </p:childTnLst>
+                                </p:cTn>
+                              </p:par>
+                            </p:childTnLst>
+                          </p:cTn>
+                        </p:par>
+                        <p:par>
+                          <p:cTn id="16" fill="hold">
+                            <p:stCondLst>
+                              <p:cond delay="2500"/>
+                            </p:stCondLst>
+                            <p:childTnLst>
+                              <p:par>
+                                <p:cTn id="17" presetID="10" presetClass="entr" presetSubtype="0" fill="hold" grpId="0" nodeType="afterEffect">
+                                  <p:stCondLst>
+                                    <p:cond delay="500"/>
+                                  </p:stCondLst>
+                                  <p:childTnLst>
+                                    <p:set>
+                                      <p:cBhvr>
+                                        <p:cTn id="18" dur="1" fill="hold">
+                                          <p:stCondLst>
+                                            <p:cond delay="0"/>
+                                          </p:stCondLst>
+                                        </p:cTn>
+                                        <p:tgtEl>
+                                          <p:spTgt spid="3">
+                                            <p:txEl>
+                                              <p:pRg st="3" end="3"/>
+                                            </p:txEl>
+                                          </p:spTgt>
+                                        </p:tgtEl>
+                                        <p:attrNameLst>
+                                          <p:attrName>style.visibility</p:attrName>
+                                        </p:attrNameLst>
+                                      </p:cBhvr>
+                                      <p:to>
+                                        <p:strVal val="visible"/>
+                                      </p:to>
+                                    </p:set>
+                                    <p:animEffect transition="in" filter="fade">
+                                      <p:cBhvr>
+                                        <p:cTn id="19" dur="500"/>
+                                        <p:tgtEl>
+                                          <p:spTgt spid="3">
+                                            <p:txEl>
+                                              <p:pRg st="3" end="3"/>
+                                            </p:txEl>
+                                          </p:spTgt>
+                                        </p:tgtEl>
+                                      </p:cBhvr>
+                                    </p:animEffect>
+                                  </p:childTnLst>
+                                </p:cTn>
+                              </p:par>
+                            </p:childTnLst>
+                          </p:cTn>
+                        </p:par>
+                        <p:par>
+                          <p:cTn id="20" fill="hold">
+                            <p:stCondLst>
+                              <p:cond delay="3500"/>
+                            </p:stCondLst>
+                            <p:childTnLst>
+                              <p:par>
+                                <p:cTn id="21" presetID="10" presetClass="entr" presetSubtype="0" fill="hold" grpId="0" nodeType="afterEffect">
+                                  <p:stCondLst>
+                                    <p:cond delay="500"/>
+                                  </p:stCondLst>
+                                  <p:childTnLst>
+                                    <p:set>
+                                      <p:cBhvr>
+                                        <p:cTn id="22" dur="1" fill="hold">
+                                          <p:stCondLst>
+                                            <p:cond delay="0"/>
+                                          </p:stCondLst>
+                                        </p:cTn>
+                                        <p:tgtEl>
+                                          <p:spTgt spid="3">
+                                            <p:txEl>
+                                              <p:pRg st="4" end="4"/>
+                                            </p:txEl>
+                                          </p:spTgt>
+                                        </p:tgtEl>
+                                        <p:attrNameLst>
+                                          <p:attrName>style.visibility</p:attrName>
+                                        </p:attrNameLst>
+                                      </p:cBhvr>
+                                      <p:to>
+                                        <p:strVal val="visible"/>
+                                      </p:to>
+                                    </p:set>
+                                    <p:animEffect transition="in" filter="fade">
+                                      <p:cBhvr>
+                                        <p:cTn id="23" dur="500"/>
+                                        <p:tgtEl>
+                                          <p:spTgt spid="3">
+                                            <p:txEl>
+                                              <p:pRg st="4" end="4"/>
+                                            </p:txEl>
+                                          </p:spTgt>
+                                        </p:tgtEl>
+                                      </p:cBhvr>
+                                    </p:animEffect>
+                                  </p:childTnLst>
+                                </p:cTn>
+                              </p:par>
+                            </p:childTnLst>
+                          </p:cTn>
+                        </p:par>
+                      </p:childTnLst>
+                    </p:cTn>
+                  </p:par>
+                  <p:par>
+                    <p:cTn id="24" fill="hold">
+                      <p:stCondLst>
+                        <p:cond delay="indefinite"/>
+                      </p:stCondLst>
+                      <p:childTnLst>
+                        <p:par>
+                          <p:cTn id="25" fill="hold">
+                            <p:stCondLst>
+                              <p:cond delay="0"/>
+                            </p:stCondLst>
+                            <p:childTnLst>
+                              <p:par>
+                                <p:cTn id="26" presetID="10" presetClass="entr" presetSubtype="0" fill="hold" nodeType="clickEffect">
+                                  <p:stCondLst>
+                                    <p:cond delay="0"/>
+                                  </p:stCondLst>
+                                  <p:childTnLst>
+                                    <p:set>
+                                      <p:cBhvr>
+                                        <p:cTn id="27" dur="1" fill="hold">
+                                          <p:stCondLst>
+                                            <p:cond delay="0"/>
+                                          </p:stCondLst>
+                                        </p:cTn>
+                                        <p:tgtEl>
+                                          <p:spTgt spid="4"/>
+                                        </p:tgtEl>
+                                        <p:attrNameLst>
+                                          <p:attrName>style.visibility</p:attrName>
+                                        </p:attrNameLst>
+                                      </p:cBhvr>
+                                      <p:to>
+                                        <p:strVal val="visible"/>
+                                      </p:to>
+                                    </p:set>
+                                    <p:animEffect transition="in" filter="fade">
+                                      <p:cBhvr>
+                                        <p:cTn id="28" dur="500"/>
+                                        <p:tgtEl>
+                                          <p:spTgt spid="4"/>
+                                        </p:tgtEl>
+                                      </p:cBhvr>
+                                    </p:animEffect>
+                                  </p:childTnLst>
+                                </p:cTn>
+                              </p:par>
+                            </p:childTnLst>
+                          </p:cTn>
+                        </p:par>
+                      </p:childTnLst>
+                    </p:cTn>
+                  </p:par>
+                </p:childTnLst>
+              </p:cTn>
+              <p:prevCondLst>
+                <p:cond evt="onPrev" delay="0">
+                  <p:tgtEl>
+                    <p:sldTgt/>
+                  </p:tgtEl>
+                </p:cond>
+              </p:prevCondLst>
+              <p:nextCondLst>
+                <p:cond evt="onNext" delay="0">
+                  <p:tgtEl>
+                    <p:sldTgt/>
+                  </p:tgtEl>
+                </p:cond>
+              </p:nextCondLst>
+            </p:seq>
+          </p:childTnLst>
+        </p:cTn>
+      </p:par>
+    </p:tnLst>
+    <p:bldLst>
+      <p:bldP spid="3" grpId="0" uiExpand="1" build="p"/>
+    </p:bldLst>
+  </p:timing>
 </p:sld>
 </file>
 
